--- a/Figures Editable/Cancer Confusion Matrix.pptx
+++ b/Figures Editable/Cancer Confusion Matrix.pptx
@@ -3447,7 +3447,7 @@
           <p:nvPr>
             <p:extLst>
               <p:ext uri="{D42A27DB-BD31-4B8C-83A1-F6EECF244321}">
-                <p14:modId xmlns:p14="http://schemas.microsoft.com/office/powerpoint/2010/main" val="530941038"/>
+                <p14:modId xmlns:p14="http://schemas.microsoft.com/office/powerpoint/2010/main" val="3736576060"/>
               </p:ext>
             </p:extLst>
           </p:nvPr>
@@ -3513,7 +3513,7 @@
                       <a:headEnd type="none" w="med" len="med"/>
                       <a:tailEnd type="none" w="med" len="med"/>
                     </a:lnL>
-                    <a:lnR w="76200" cap="flat" cmpd="sng" algn="ctr">
+                    <a:lnR w="28575" cap="flat" cmpd="sng" algn="ctr">
                       <a:solidFill>
                         <a:srgbClr val="F2F2F2"/>
                       </a:solidFill>
@@ -3533,7 +3533,7 @@
                       <a:headEnd type="none" w="med" len="med"/>
                       <a:tailEnd type="none" w="med" len="med"/>
                     </a:lnT>
-                    <a:lnB w="76200" cap="flat" cmpd="sng" algn="ctr">
+                    <a:lnB w="28575" cap="flat" cmpd="sng" algn="ctr">
                       <a:solidFill>
                         <a:srgbClr val="F2F2F2"/>
                       </a:solidFill>
@@ -3579,7 +3579,7 @@
                     </a:p>
                   </a:txBody>
                   <a:tcPr>
-                    <a:lnL w="76200" cap="flat" cmpd="sng" algn="ctr">
+                    <a:lnL w="28575" cap="flat" cmpd="sng" algn="ctr">
                       <a:solidFill>
                         <a:srgbClr val="F2F2F2"/>
                       </a:solidFill>
@@ -3588,7 +3588,7 @@
                       <a:headEnd type="none" w="med" len="med"/>
                       <a:tailEnd type="none" w="med" len="med"/>
                     </a:lnL>
-                    <a:lnR w="76200" cap="flat" cmpd="sng" algn="ctr">
+                    <a:lnR w="28575" cap="flat" cmpd="sng" algn="ctr">
                       <a:solidFill>
                         <a:srgbClr val="F2F2F2"/>
                       </a:solidFill>
@@ -3604,7 +3604,7 @@
                       <a:headEnd type="none" w="med" len="med"/>
                       <a:tailEnd type="none" w="med" len="med"/>
                     </a:lnT>
-                    <a:lnB w="76200" cap="flat" cmpd="sng" algn="ctr">
+                    <a:lnB w="28575" cap="flat" cmpd="sng" algn="ctr">
                       <a:solidFill>
                         <a:srgbClr val="F2F2F2"/>
                       </a:solidFill>
@@ -3663,7 +3663,7 @@
                     </a:p>
                   </a:txBody>
                   <a:tcPr>
-                    <a:lnL w="76200" cap="flat" cmpd="sng" algn="ctr">
+                    <a:lnL w="28575" cap="flat" cmpd="sng" algn="ctr">
                       <a:solidFill>
                         <a:srgbClr val="F2F2F2"/>
                       </a:solidFill>
@@ -3694,7 +3694,7 @@
                       <a:headEnd type="none" w="med" len="med"/>
                       <a:tailEnd type="none" w="med" len="med"/>
                     </a:lnT>
-                    <a:lnB w="76200" cap="flat" cmpd="sng" algn="ctr">
+                    <a:lnB w="28575" cap="flat" cmpd="sng" algn="ctr">
                       <a:solidFill>
                         <a:srgbClr val="F2F2F2"/>
                       </a:solidFill>
@@ -3762,7 +3762,7 @@
                       <a:headEnd type="none" w="med" len="med"/>
                       <a:tailEnd type="none" w="med" len="med"/>
                     </a:lnL>
-                    <a:lnR w="76200" cap="flat" cmpd="sng" algn="ctr">
+                    <a:lnR w="28575" cap="flat" cmpd="sng" algn="ctr">
                       <a:solidFill>
                         <a:srgbClr val="F2F2F2"/>
                       </a:solidFill>
@@ -3771,7 +3771,7 @@
                       <a:headEnd type="none" w="med" len="med"/>
                       <a:tailEnd type="none" w="med" len="med"/>
                     </a:lnR>
-                    <a:lnT w="76200" cap="flat" cmpd="sng" algn="ctr">
+                    <a:lnT w="28575" cap="flat" cmpd="sng" algn="ctr">
                       <a:solidFill>
                         <a:srgbClr val="F2F2F2"/>
                       </a:solidFill>
@@ -3780,7 +3780,7 @@
                       <a:headEnd type="none" w="med" len="med"/>
                       <a:tailEnd type="none" w="med" len="med"/>
                     </a:lnT>
-                    <a:lnB w="76200" cap="flat" cmpd="sng" algn="ctr">
+                    <a:lnB w="28575" cap="flat" cmpd="sng" algn="ctr">
                       <a:solidFill>
                         <a:srgbClr val="F2F2F2"/>
                       </a:solidFill>
@@ -3826,7 +3826,7 @@
                     </a:p>
                   </a:txBody>
                   <a:tcPr anchor="ctr">
-                    <a:lnL w="76200" cap="flat" cmpd="sng" algn="ctr">
+                    <a:lnL w="28575" cap="flat" cmpd="sng" algn="ctr">
                       <a:solidFill>
                         <a:srgbClr val="F2F2F2"/>
                       </a:solidFill>
@@ -3835,7 +3835,7 @@
                       <a:headEnd type="none" w="med" len="med"/>
                       <a:tailEnd type="none" w="med" len="med"/>
                     </a:lnL>
-                    <a:lnR w="76200" cap="flat" cmpd="sng" algn="ctr">
+                    <a:lnR w="28575" cap="flat" cmpd="sng" algn="ctr">
                       <a:solidFill>
                         <a:srgbClr val="F2F2F2"/>
                       </a:solidFill>
@@ -3844,7 +3844,7 @@
                       <a:headEnd type="none" w="med" len="med"/>
                       <a:tailEnd type="none" w="med" len="med"/>
                     </a:lnR>
-                    <a:lnT w="76200" cap="flat" cmpd="sng" algn="ctr">
+                    <a:lnT w="28575" cap="flat" cmpd="sng" algn="ctr">
                       <a:solidFill>
                         <a:srgbClr val="F2F2F2"/>
                       </a:solidFill>
@@ -3853,7 +3853,7 @@
                       <a:headEnd type="none" w="med" len="med"/>
                       <a:tailEnd type="none" w="med" len="med"/>
                     </a:lnT>
-                    <a:lnB w="76200" cap="flat" cmpd="sng" algn="ctr">
+                    <a:lnB w="28575" cap="flat" cmpd="sng" algn="ctr">
                       <a:solidFill>
                         <a:srgbClr val="F2F2F2"/>
                       </a:solidFill>
@@ -3899,7 +3899,7 @@
                     </a:p>
                   </a:txBody>
                   <a:tcPr anchor="ctr">
-                    <a:lnL w="76200" cap="flat" cmpd="sng" algn="ctr">
+                    <a:lnL w="28575" cap="flat" cmpd="sng" algn="ctr">
                       <a:solidFill>
                         <a:srgbClr val="F2F2F2"/>
                       </a:solidFill>
@@ -3919,7 +3919,7 @@
                       <a:headEnd type="none" w="med" len="med"/>
                       <a:tailEnd type="none" w="med" len="med"/>
                     </a:lnR>
-                    <a:lnT w="76200" cap="flat" cmpd="sng" algn="ctr">
+                    <a:lnT w="28575" cap="flat" cmpd="sng" algn="ctr">
                       <a:solidFill>
                         <a:srgbClr val="F2F2F2"/>
                       </a:solidFill>
@@ -3928,7 +3928,7 @@
                       <a:headEnd type="none" w="med" len="med"/>
                       <a:tailEnd type="none" w="med" len="med"/>
                     </a:lnT>
-                    <a:lnB w="76200" cap="flat" cmpd="sng" algn="ctr">
+                    <a:lnB w="28575" cap="flat" cmpd="sng" algn="ctr">
                       <a:solidFill>
                         <a:srgbClr val="F2F2F2"/>
                       </a:solidFill>
@@ -3991,7 +3991,7 @@
                       <a:headEnd type="none" w="med" len="med"/>
                       <a:tailEnd type="none" w="med" len="med"/>
                     </a:lnL>
-                    <a:lnR w="76200" cap="flat" cmpd="sng" algn="ctr">
+                    <a:lnR w="28575" cap="flat" cmpd="sng" algn="ctr">
                       <a:solidFill>
                         <a:srgbClr val="F2F2F2"/>
                       </a:solidFill>
@@ -4000,7 +4000,7 @@
                       <a:headEnd type="none" w="med" len="med"/>
                       <a:tailEnd type="none" w="med" len="med"/>
                     </a:lnR>
-                    <a:lnT w="76200" cap="flat" cmpd="sng" algn="ctr">
+                    <a:lnT w="28575" cap="flat" cmpd="sng" algn="ctr">
                       <a:solidFill>
                         <a:srgbClr val="F2F2F2"/>
                       </a:solidFill>
@@ -4057,7 +4057,7 @@
                     </a:p>
                   </a:txBody>
                   <a:tcPr anchor="ctr">
-                    <a:lnL w="76200" cap="flat" cmpd="sng" algn="ctr">
+                    <a:lnL w="28575" cap="flat" cmpd="sng" algn="ctr">
                       <a:solidFill>
                         <a:srgbClr val="F2F2F2"/>
                       </a:solidFill>
@@ -4066,7 +4066,7 @@
                       <a:headEnd type="none" w="med" len="med"/>
                       <a:tailEnd type="none" w="med" len="med"/>
                     </a:lnL>
-                    <a:lnR w="76200" cap="flat" cmpd="sng" algn="ctr">
+                    <a:lnR w="28575" cap="flat" cmpd="sng" algn="ctr">
                       <a:solidFill>
                         <a:srgbClr val="F2F2F2"/>
                       </a:solidFill>
@@ -4075,7 +4075,7 @@
                       <a:headEnd type="none" w="med" len="med"/>
                       <a:tailEnd type="none" w="med" len="med"/>
                     </a:lnR>
-                    <a:lnT w="76200" cap="flat" cmpd="sng" algn="ctr">
+                    <a:lnT w="28575" cap="flat" cmpd="sng" algn="ctr">
                       <a:solidFill>
                         <a:srgbClr val="F2F2F2"/>
                       </a:solidFill>
@@ -4132,7 +4132,7 @@
                     </a:p>
                   </a:txBody>
                   <a:tcPr anchor="ctr">
-                    <a:lnL w="76200" cap="flat" cmpd="sng" algn="ctr">
+                    <a:lnL w="28575" cap="flat" cmpd="sng" algn="ctr">
                       <a:solidFill>
                         <a:srgbClr val="F2F2F2"/>
                       </a:solidFill>
@@ -4152,7 +4152,7 @@
                       <a:headEnd type="none" w="med" len="med"/>
                       <a:tailEnd type="none" w="med" len="med"/>
                     </a:lnR>
-                    <a:lnT w="76200" cap="flat" cmpd="sng" algn="ctr">
+                    <a:lnT w="28575" cap="flat" cmpd="sng" algn="ctr">
                       <a:solidFill>
                         <a:srgbClr val="F2F2F2"/>
                       </a:solidFill>
